--- a/Diapositivas/Refactoring Golf.pptx
+++ b/Diapositivas/Refactoring Golf.pptx
@@ -207,7 +207,7 @@
           <a:p>
             <a:fld id="{63D5FC4C-9EE1-4746-A368-724F618FC790}" type="datetimeFigureOut">
               <a:rPr lang="es-PE" smtClean="0"/>
-              <a:t>05/06/2013</a:t>
+              <a:t>04/12/2013</a:t>
             </a:fld>
             <a:endParaRPr lang="es-PE"/>
           </a:p>
@@ -2315,7 +2315,7 @@
             <a:fld id="{807CB568-C05F-482F-9F26-AA302B8892DF}" type="datetimeFigureOut">
               <a:rPr lang="es-ES" smtClean="0"/>
               <a:pPr/>
-              <a:t>05/06/2013</a:t>
+              <a:t>04/12/2013</a:t>
             </a:fld>
             <a:endParaRPr lang="es-ES"/>
           </a:p>
@@ -2509,7 +2509,7 @@
             <a:fld id="{807CB568-C05F-482F-9F26-AA302B8892DF}" type="datetimeFigureOut">
               <a:rPr lang="es-ES" smtClean="0"/>
               <a:pPr/>
-              <a:t>05/06/2013</a:t>
+              <a:t>04/12/2013</a:t>
             </a:fld>
             <a:endParaRPr lang="es-ES"/>
           </a:p>
@@ -2713,7 +2713,7 @@
             <a:fld id="{807CB568-C05F-482F-9F26-AA302B8892DF}" type="datetimeFigureOut">
               <a:rPr lang="es-ES" smtClean="0"/>
               <a:pPr/>
-              <a:t>05/06/2013</a:t>
+              <a:t>04/12/2013</a:t>
             </a:fld>
             <a:endParaRPr lang="es-ES"/>
           </a:p>
@@ -2907,7 +2907,7 @@
             <a:fld id="{807CB568-C05F-482F-9F26-AA302B8892DF}" type="datetimeFigureOut">
               <a:rPr lang="es-ES" smtClean="0"/>
               <a:pPr/>
-              <a:t>05/06/2013</a:t>
+              <a:t>04/12/2013</a:t>
             </a:fld>
             <a:endParaRPr lang="es-ES"/>
           </a:p>
@@ -3177,7 +3177,7 @@
             <a:fld id="{807CB568-C05F-482F-9F26-AA302B8892DF}" type="datetimeFigureOut">
               <a:rPr lang="es-ES" smtClean="0"/>
               <a:pPr/>
-              <a:t>05/06/2013</a:t>
+              <a:t>04/12/2013</a:t>
             </a:fld>
             <a:endParaRPr lang="es-ES"/>
           </a:p>
@@ -3492,7 +3492,7 @@
             <a:fld id="{807CB568-C05F-482F-9F26-AA302B8892DF}" type="datetimeFigureOut">
               <a:rPr lang="es-ES" smtClean="0"/>
               <a:pPr/>
-              <a:t>05/06/2013</a:t>
+              <a:t>04/12/2013</a:t>
             </a:fld>
             <a:endParaRPr lang="es-ES"/>
           </a:p>
@@ -3947,7 +3947,7 @@
             <a:fld id="{807CB568-C05F-482F-9F26-AA302B8892DF}" type="datetimeFigureOut">
               <a:rPr lang="es-ES" smtClean="0"/>
               <a:pPr/>
-              <a:t>05/06/2013</a:t>
+              <a:t>04/12/2013</a:t>
             </a:fld>
             <a:endParaRPr lang="es-ES"/>
           </a:p>
@@ -4086,7 +4086,7 @@
             <a:fld id="{807CB568-C05F-482F-9F26-AA302B8892DF}" type="datetimeFigureOut">
               <a:rPr lang="es-ES" smtClean="0"/>
               <a:pPr/>
-              <a:t>05/06/2013</a:t>
+              <a:t>04/12/2013</a:t>
             </a:fld>
             <a:endParaRPr lang="es-ES"/>
           </a:p>
@@ -4199,7 +4199,7 @@
             <a:fld id="{807CB568-C05F-482F-9F26-AA302B8892DF}" type="datetimeFigureOut">
               <a:rPr lang="es-ES" smtClean="0"/>
               <a:pPr/>
-              <a:t>05/06/2013</a:t>
+              <a:t>04/12/2013</a:t>
             </a:fld>
             <a:endParaRPr lang="es-ES"/>
           </a:p>
@@ -4503,7 +4503,7 @@
             <a:fld id="{807CB568-C05F-482F-9F26-AA302B8892DF}" type="datetimeFigureOut">
               <a:rPr lang="es-ES" smtClean="0"/>
               <a:pPr/>
-              <a:t>05/06/2013</a:t>
+              <a:t>04/12/2013</a:t>
             </a:fld>
             <a:endParaRPr lang="es-ES"/>
           </a:p>
@@ -4790,7 +4790,7 @@
             <a:fld id="{807CB568-C05F-482F-9F26-AA302B8892DF}" type="datetimeFigureOut">
               <a:rPr lang="es-ES" smtClean="0"/>
               <a:pPr/>
-              <a:t>05/06/2013</a:t>
+              <a:t>04/12/2013</a:t>
             </a:fld>
             <a:endParaRPr lang="es-ES"/>
           </a:p>
@@ -5056,7 +5056,7 @@
             <a:fld id="{807CB568-C05F-482F-9F26-AA302B8892DF}" type="datetimeFigureOut">
               <a:rPr lang="es-ES" smtClean="0"/>
               <a:pPr/>
-              <a:t>05/06/2013</a:t>
+              <a:t>04/12/2013</a:t>
             </a:fld>
             <a:endParaRPr lang="es-ES"/>
           </a:p>
@@ -5881,7 +5881,7 @@
 </file>
 
 <file path=ppt/slides/slide10.xml><?xml version="1.0" encoding="utf-8"?>
-<p:sld xmlns:a="http://schemas.openxmlformats.org/drawingml/2006/main" xmlns:r="http://schemas.openxmlformats.org/officeDocument/2006/relationships" xmlns:p="http://schemas.openxmlformats.org/presentationml/2006/main">
+<p:sld xmlns:a="http://schemas.openxmlformats.org/drawingml/2006/main" xmlns:r="http://schemas.openxmlformats.org/officeDocument/2006/relationships" xmlns:p="http://schemas.openxmlformats.org/presentationml/2006/main" show="0">
   <p:cSld>
     <p:spTree>
       <p:nvGrpSpPr>
@@ -6058,6 +6058,14 @@
   <p:clrMapOvr>
     <a:masterClrMapping/>
   </p:clrMapOvr>
+  <mc:AlternateContent xmlns:mc="http://schemas.openxmlformats.org/markup-compatibility/2006">
+    <mc:Choice xmlns:p14="http://schemas.microsoft.com/office/powerpoint/2010/main" Requires="p14">
+      <p:transition spd="slow" p14:dur="2000"/>
+    </mc:Choice>
+    <mc:Fallback>
+      <p:transition spd="slow"/>
+    </mc:Fallback>
+  </mc:AlternateContent>
   <p:timing>
     <p:tnLst>
       <p:par>
@@ -6163,11 +6171,11 @@
   <p:clrMapOvr>
     <a:masterClrMapping/>
   </p:clrMapOvr>
-  <mc:AlternateContent xmlns:mc="http://schemas.openxmlformats.org/markup-compatibility/2006">
-    <mc:Choice xmlns:p14="http://schemas.microsoft.com/office/powerpoint/2010/main" Requires="p14">
+  <mc:AlternateContent xmlns:mc="http://schemas.openxmlformats.org/markup-compatibility/2006" xmlns:p14="http://schemas.microsoft.com/office/powerpoint/2010/main">
+    <mc:Choice Requires="p14">
       <p:transition spd="slow" p14:dur="2000"/>
     </mc:Choice>
-    <mc:Fallback>
+    <mc:Fallback xmlns="">
       <p:transition spd="slow"/>
     </mc:Fallback>
   </mc:AlternateContent>
@@ -6182,7 +6190,7 @@
 </file>
 
 <file path=ppt/slides/slide12.xml><?xml version="1.0" encoding="utf-8"?>
-<p:sld xmlns:a="http://schemas.openxmlformats.org/drawingml/2006/main" xmlns:r="http://schemas.openxmlformats.org/officeDocument/2006/relationships" xmlns:p="http://schemas.openxmlformats.org/presentationml/2006/main">
+<p:sld xmlns:a="http://schemas.openxmlformats.org/drawingml/2006/main" xmlns:r="http://schemas.openxmlformats.org/officeDocument/2006/relationships" xmlns:p="http://schemas.openxmlformats.org/presentationml/2006/main" show="0">
   <p:cSld>
     <p:spTree>
       <p:nvGrpSpPr>
@@ -6276,6 +6284,14 @@
   <p:clrMapOvr>
     <a:masterClrMapping/>
   </p:clrMapOvr>
+  <mc:AlternateContent xmlns:mc="http://schemas.openxmlformats.org/markup-compatibility/2006">
+    <mc:Choice xmlns:p14="http://schemas.microsoft.com/office/powerpoint/2010/main" Requires="p14">
+      <p:transition spd="slow" p14:dur="2000"/>
+    </mc:Choice>
+    <mc:Fallback>
+      <p:transition spd="slow"/>
+    </mc:Fallback>
+  </mc:AlternateContent>
   <p:timing>
     <p:tnLst>
       <p:par>
@@ -6287,7 +6303,7 @@
 </file>
 
 <file path=ppt/slides/slide13.xml><?xml version="1.0" encoding="utf-8"?>
-<p:sld xmlns:a="http://schemas.openxmlformats.org/drawingml/2006/main" xmlns:r="http://schemas.openxmlformats.org/officeDocument/2006/relationships" xmlns:p="http://schemas.openxmlformats.org/presentationml/2006/main">
+<p:sld xmlns:a="http://schemas.openxmlformats.org/drawingml/2006/main" xmlns:r="http://schemas.openxmlformats.org/officeDocument/2006/relationships" xmlns:p="http://schemas.openxmlformats.org/presentationml/2006/main" show="0">
   <p:cSld>
     <p:spTree>
       <p:nvGrpSpPr>
@@ -6390,6 +6406,14 @@
   <p:clrMapOvr>
     <a:masterClrMapping/>
   </p:clrMapOvr>
+  <mc:AlternateContent xmlns:mc="http://schemas.openxmlformats.org/markup-compatibility/2006">
+    <mc:Choice xmlns:p14="http://schemas.microsoft.com/office/powerpoint/2010/main" Requires="p14">
+      <p:transition spd="slow" p14:dur="2000"/>
+    </mc:Choice>
+    <mc:Fallback>
+      <p:transition spd="slow"/>
+    </mc:Fallback>
+  </mc:AlternateContent>
   <p:timing>
     <p:tnLst>
       <p:par>
@@ -6401,7 +6425,7 @@
 </file>
 
 <file path=ppt/slides/slide14.xml><?xml version="1.0" encoding="utf-8"?>
-<p:sld xmlns:a="http://schemas.openxmlformats.org/drawingml/2006/main" xmlns:r="http://schemas.openxmlformats.org/officeDocument/2006/relationships" xmlns:p="http://schemas.openxmlformats.org/presentationml/2006/main">
+<p:sld xmlns:a="http://schemas.openxmlformats.org/drawingml/2006/main" xmlns:r="http://schemas.openxmlformats.org/officeDocument/2006/relationships" xmlns:p="http://schemas.openxmlformats.org/presentationml/2006/main" show="0">
   <p:cSld>
     <p:spTree>
       <p:nvGrpSpPr>
@@ -6511,6 +6535,14 @@
   <p:clrMapOvr>
     <a:masterClrMapping/>
   </p:clrMapOvr>
+  <mc:AlternateContent xmlns:mc="http://schemas.openxmlformats.org/markup-compatibility/2006">
+    <mc:Choice xmlns:p14="http://schemas.microsoft.com/office/powerpoint/2010/main" Requires="p14">
+      <p:transition spd="slow" p14:dur="2000"/>
+    </mc:Choice>
+    <mc:Fallback>
+      <p:transition spd="slow"/>
+    </mc:Fallback>
+  </mc:AlternateContent>
   <p:timing>
     <p:tnLst>
       <p:par>
